--- a/reports/презентация.pptx
+++ b/reports/презентация.pptx
@@ -241,7 +241,7 @@
           <a:p>
             <a:fld id="{03A73E7F-7578-4DD4-82FD-40C24D6EA17C}" type="datetimeFigureOut">
               <a:rPr lang="ru-RU" smtClean="0"/>
-              <a:t>25.06.2020</a:t>
+              <a:t>28.06.2020</a:t>
             </a:fld>
             <a:endParaRPr lang="ru-RU" dirty="0"/>
           </a:p>
@@ -855,7 +855,7 @@
           <a:p>
             <a:fld id="{592F0D80-164F-4ECE-A815-4FDD83F9BCA5}" type="datetime1">
               <a:rPr lang="ru-RU" smtClean="0"/>
-              <a:t>25.06.2020</a:t>
+              <a:t>28.06.2020</a:t>
             </a:fld>
             <a:endParaRPr lang="ru-RU" dirty="0"/>
           </a:p>
@@ -1026,7 +1026,7 @@
           <a:p>
             <a:fld id="{68F90CD5-AEFD-4FB0-8E05-A24BD20C7889}" type="datetime1">
               <a:rPr lang="ru-RU" smtClean="0"/>
-              <a:t>25.06.2020</a:t>
+              <a:t>28.06.2020</a:t>
             </a:fld>
             <a:endParaRPr lang="ru-RU" dirty="0"/>
           </a:p>
@@ -1207,7 +1207,7 @@
           <a:p>
             <a:fld id="{3045A9A4-3005-430B-8AC7-63EFCE895077}" type="datetime1">
               <a:rPr lang="ru-RU" smtClean="0"/>
-              <a:t>25.06.2020</a:t>
+              <a:t>28.06.2020</a:t>
             </a:fld>
             <a:endParaRPr lang="ru-RU" dirty="0"/>
           </a:p>
@@ -1451,7 +1451,7 @@
           <a:p>
             <a:fld id="{1D8BD707-D9CF-40AE-B4C6-C98DA3205C09}" type="datetimeFigureOut">
               <a:rPr lang="en-US"/>
-              <a:t>6/25/2020</a:t>
+              <a:t>6/28/2020</a:t>
             </a:fld>
             <a:endParaRPr lang="en-US"/>
           </a:p>
@@ -1604,7 +1604,7 @@
           <a:p>
             <a:fld id="{1D8BD707-D9CF-40AE-B4C6-C98DA3205C09}" type="datetimeFigureOut">
               <a:rPr lang="en-US"/>
-              <a:t>6/25/2020</a:t>
+              <a:t>6/28/2020</a:t>
             </a:fld>
             <a:endParaRPr lang="en-US"/>
           </a:p>
@@ -1762,7 +1762,7 @@
           <a:p>
             <a:fld id="{C5B88CD6-BB20-4C52-B81D-B7785C33963A}" type="datetime1">
               <a:rPr lang="ru-RU" smtClean="0"/>
-              <a:t>25.06.2020</a:t>
+              <a:t>28.06.2020</a:t>
             </a:fld>
             <a:endParaRPr lang="ru-RU" dirty="0"/>
           </a:p>
@@ -2010,7 +2010,7 @@
           <a:p>
             <a:fld id="{7D96B67C-FD54-4096-A385-8F8657C73047}" type="datetime1">
               <a:rPr lang="ru-RU" smtClean="0"/>
-              <a:t>25.06.2020</a:t>
+              <a:t>28.06.2020</a:t>
             </a:fld>
             <a:endParaRPr lang="ru-RU" dirty="0"/>
           </a:p>
@@ -2298,7 +2298,7 @@
           <a:p>
             <a:fld id="{BBA176E6-C242-4724-A575-17A3D2DBE5B9}" type="datetime1">
               <a:rPr lang="ru-RU" smtClean="0"/>
-              <a:t>25.06.2020</a:t>
+              <a:t>28.06.2020</a:t>
             </a:fld>
             <a:endParaRPr lang="ru-RU" dirty="0"/>
           </a:p>
@@ -2720,7 +2720,7 @@
           <a:p>
             <a:fld id="{3582084D-7615-4765-BEBB-FC2ADD0D2DA6}" type="datetime1">
               <a:rPr lang="ru-RU" smtClean="0"/>
-              <a:t>25.06.2020</a:t>
+              <a:t>28.06.2020</a:t>
             </a:fld>
             <a:endParaRPr lang="ru-RU" dirty="0"/>
           </a:p>
@@ -2840,7 +2840,7 @@
           <a:p>
             <a:fld id="{6D9003A1-BF28-48BC-9995-A08902293C2F}" type="datetime1">
               <a:rPr lang="ru-RU" smtClean="0"/>
-              <a:t>25.06.2020</a:t>
+              <a:t>28.06.2020</a:t>
             </a:fld>
             <a:endParaRPr lang="ru-RU" dirty="0"/>
           </a:p>
@@ -2938,7 +2938,7 @@
           <a:p>
             <a:fld id="{A53E2774-8C0E-4227-8A4F-13D7074C7957}" type="datetime1">
               <a:rPr lang="ru-RU" smtClean="0"/>
-              <a:t>25.06.2020</a:t>
+              <a:t>28.06.2020</a:t>
             </a:fld>
             <a:endParaRPr lang="ru-RU" dirty="0"/>
           </a:p>
@@ -3216,7 +3216,7 @@
           <a:p>
             <a:fld id="{BF9D009E-B0BA-40F4-9409-BAD477F7AA27}" type="datetime1">
               <a:rPr lang="ru-RU" smtClean="0"/>
-              <a:t>25.06.2020</a:t>
+              <a:t>28.06.2020</a:t>
             </a:fld>
             <a:endParaRPr lang="ru-RU" dirty="0"/>
           </a:p>
@@ -3474,7 +3474,7 @@
           <a:p>
             <a:fld id="{2D6E8B98-2144-49DA-A188-3A9AAE81BE8F}" type="datetime1">
               <a:rPr lang="ru-RU" smtClean="0"/>
-              <a:t>25.06.2020</a:t>
+              <a:t>28.06.2020</a:t>
             </a:fld>
             <a:endParaRPr lang="ru-RU" dirty="0"/>
           </a:p>
@@ -3697,7 +3697,7 @@
           <a:p>
             <a:fld id="{4F0E7E8C-EA9C-421C-A5E1-3533048FB457}" type="datetime1">
               <a:rPr lang="ru-RU" smtClean="0"/>
-              <a:t>25.06.2020</a:t>
+              <a:t>28.06.2020</a:t>
             </a:fld>
             <a:endParaRPr lang="ru-RU" dirty="0"/>
           </a:p>
@@ -7720,8 +7720,8 @@
         </p:nvSpPr>
         <p:spPr>
           <a:xfrm>
-            <a:off x="2163043" y="550015"/>
-            <a:ext cx="4455478" cy="1360629"/>
+            <a:off x="1475656" y="116632"/>
+            <a:ext cx="6480720" cy="2037737"/>
           </a:xfrm>
           <a:prstGeom prst="rect">
             <a:avLst/>
@@ -7752,23 +7752,7 @@
                   <a:srgbClr val="000000"/>
                 </a:solidFill>
               </a:rPr>
-              <a:t>ДЛЯ</a:t>
-            </a:r>
-            <a:r>
-              <a:rPr lang="ru-RU" spc="-265" dirty="0">
-                <a:solidFill>
-                  <a:srgbClr val="000000"/>
-                </a:solidFill>
-              </a:rPr>
-              <a:t>  </a:t>
-            </a:r>
-            <a:r>
-              <a:rPr lang="ru-RU" spc="378" dirty="0">
-                <a:solidFill>
-                  <a:srgbClr val="000000"/>
-                </a:solidFill>
-              </a:rPr>
-              <a:t>АНАЛИЗА</a:t>
+              <a:t>АНАЛИЗА УЯЗВИМОСТЕЙ СМАРТ-КОНТРАКТОВ </a:t>
             </a:r>
             <a:endParaRPr lang="ru-RU" dirty="0"/>
           </a:p>
@@ -7808,7 +7792,7 @@
               <a:rPr sz="1700" dirty="0">
                 <a:cs typeface="Calibri"/>
               </a:rPr>
-              <a:t>Инструментирование(Code instrumentation)</a:t>
+              <a:t>Code instrumentation</a:t>
             </a:r>
           </a:p>
           <a:p>
@@ -7825,7 +7809,7 @@
               <a:rPr sz="1700" dirty="0">
                 <a:cs typeface="Calibri"/>
               </a:rPr>
-              <a:t>Символьное выполнение(Symbolic execution)</a:t>
+              <a:t>Symbolic execution</a:t>
             </a:r>
           </a:p>
           <a:p>
@@ -7842,7 +7826,7 @@
               <a:rPr sz="1700" dirty="0">
                 <a:cs typeface="Calibri"/>
               </a:rPr>
-              <a:t>Решение ограничений(Constraint solving)</a:t>
+              <a:t>Constraint solving</a:t>
             </a:r>
           </a:p>
           <a:p>
@@ -7859,7 +7843,7 @@
               <a:rPr sz="1700" dirty="0">
                 <a:cs typeface="Calibri"/>
               </a:rPr>
-              <a:t>Абстрактная интерпретация(Abstract interpretation)</a:t>
+              <a:t>Abstract interpretation</a:t>
             </a:r>
           </a:p>
           <a:p>
@@ -7876,7 +7860,7 @@
               <a:rPr sz="1700" dirty="0">
                 <a:cs typeface="Calibri"/>
               </a:rPr>
-              <a:t>Логика Хорна(Horn logic)</a:t>
+              <a:t>Horn logic</a:t>
             </a:r>
           </a:p>
           <a:p>
@@ -7893,7 +7877,7 @@
               <a:rPr sz="1700" dirty="0">
                 <a:cs typeface="Calibri"/>
               </a:rPr>
-              <a:t>Проверка моделей(Model checking)</a:t>
+              <a:t>Model checking</a:t>
             </a:r>
           </a:p>
         </p:txBody>
@@ -9708,11 +9692,25 @@
               <a:t>По</a:t>
             </a:r>
             <a:r>
+              <a:rPr lang="ru-RU" sz="1675" dirty="0">
+                <a:latin typeface="+mj-lt"/>
+                <a:cs typeface="Calibri"/>
+              </a:rPr>
+              <a:t> </a:t>
+            </a:r>
+            <a:r>
+              <a:rPr sz="1675" dirty="0" err="1">
+                <a:latin typeface="+mj-lt"/>
+                <a:cs typeface="Calibri"/>
+              </a:rPr>
+              <a:t>моему</a:t>
+            </a:r>
+            <a:r>
               <a:rPr sz="1675" dirty="0">
                 <a:latin typeface="+mj-lt"/>
                 <a:cs typeface="Calibri"/>
               </a:rPr>
-              <a:t> моему мнению, symbolic execution является рабочей лошадкой  современного анализа программ. Это один из методов, который вырос  из исследований и затем стал использоваться во множестве  приложений.</a:t>
+              <a:t> мнению, symbolic execution является рабочей лошадкой  современного анализа программ. Это один из методов, который вырос  из исследований и затем стал использоваться во множестве  приложений.</a:t>
             </a:r>
           </a:p>
           <a:p>
@@ -9768,8 +9766,8 @@
         </p:nvSpPr>
         <p:spPr>
           <a:xfrm>
-            <a:off x="1842207" y="550014"/>
-            <a:ext cx="5097145" cy="1360629"/>
+            <a:off x="971600" y="211460"/>
+            <a:ext cx="7128791" cy="2037737"/>
           </a:xfrm>
           <a:prstGeom prst="rect">
             <a:avLst/>
@@ -9792,7 +9790,7 @@
                   <a:srgbClr val="000000"/>
                 </a:solidFill>
               </a:rPr>
-              <a:t>ИНСТРУМЕНТЫ ДЛЯ АНАЛИЗА</a:t>
+              <a:t>ИНСТРУМЕНТЫ ДЛЯ АНАЛИЗА УЯЗВИМОСТЕЙ СМАРТ-КОНТРАКТОВ</a:t>
             </a:r>
             <a:endParaRPr lang="ru-RU" dirty="0"/>
           </a:p>

--- a/reports/презентация.pptx
+++ b/reports/презентация.pptx
@@ -241,7 +241,7 @@
           <a:p>
             <a:fld id="{03A73E7F-7578-4DD4-82FD-40C24D6EA17C}" type="datetimeFigureOut">
               <a:rPr lang="ru-RU" smtClean="0"/>
-              <a:t>28.06.2020</a:t>
+              <a:t>29.06.2020</a:t>
             </a:fld>
             <a:endParaRPr lang="ru-RU" dirty="0"/>
           </a:p>
@@ -855,7 +855,7 @@
           <a:p>
             <a:fld id="{592F0D80-164F-4ECE-A815-4FDD83F9BCA5}" type="datetime1">
               <a:rPr lang="ru-RU" smtClean="0"/>
-              <a:t>28.06.2020</a:t>
+              <a:t>29.06.2020</a:t>
             </a:fld>
             <a:endParaRPr lang="ru-RU" dirty="0"/>
           </a:p>
@@ -1026,7 +1026,7 @@
           <a:p>
             <a:fld id="{68F90CD5-AEFD-4FB0-8E05-A24BD20C7889}" type="datetime1">
               <a:rPr lang="ru-RU" smtClean="0"/>
-              <a:t>28.06.2020</a:t>
+              <a:t>29.06.2020</a:t>
             </a:fld>
             <a:endParaRPr lang="ru-RU" dirty="0"/>
           </a:p>
@@ -1207,7 +1207,7 @@
           <a:p>
             <a:fld id="{3045A9A4-3005-430B-8AC7-63EFCE895077}" type="datetime1">
               <a:rPr lang="ru-RU" smtClean="0"/>
-              <a:t>28.06.2020</a:t>
+              <a:t>29.06.2020</a:t>
             </a:fld>
             <a:endParaRPr lang="ru-RU" dirty="0"/>
           </a:p>
@@ -1451,7 +1451,7 @@
           <a:p>
             <a:fld id="{1D8BD707-D9CF-40AE-B4C6-C98DA3205C09}" type="datetimeFigureOut">
               <a:rPr lang="en-US"/>
-              <a:t>6/28/2020</a:t>
+              <a:t>6/29/2020</a:t>
             </a:fld>
             <a:endParaRPr lang="en-US"/>
           </a:p>
@@ -1604,7 +1604,7 @@
           <a:p>
             <a:fld id="{1D8BD707-D9CF-40AE-B4C6-C98DA3205C09}" type="datetimeFigureOut">
               <a:rPr lang="en-US"/>
-              <a:t>6/28/2020</a:t>
+              <a:t>6/29/2020</a:t>
             </a:fld>
             <a:endParaRPr lang="en-US"/>
           </a:p>
@@ -1762,7 +1762,7 @@
           <a:p>
             <a:fld id="{C5B88CD6-BB20-4C52-B81D-B7785C33963A}" type="datetime1">
               <a:rPr lang="ru-RU" smtClean="0"/>
-              <a:t>28.06.2020</a:t>
+              <a:t>29.06.2020</a:t>
             </a:fld>
             <a:endParaRPr lang="ru-RU" dirty="0"/>
           </a:p>
@@ -2010,7 +2010,7 @@
           <a:p>
             <a:fld id="{7D96B67C-FD54-4096-A385-8F8657C73047}" type="datetime1">
               <a:rPr lang="ru-RU" smtClean="0"/>
-              <a:t>28.06.2020</a:t>
+              <a:t>29.06.2020</a:t>
             </a:fld>
             <a:endParaRPr lang="ru-RU" dirty="0"/>
           </a:p>
@@ -2298,7 +2298,7 @@
           <a:p>
             <a:fld id="{BBA176E6-C242-4724-A575-17A3D2DBE5B9}" type="datetime1">
               <a:rPr lang="ru-RU" smtClean="0"/>
-              <a:t>28.06.2020</a:t>
+              <a:t>29.06.2020</a:t>
             </a:fld>
             <a:endParaRPr lang="ru-RU" dirty="0"/>
           </a:p>
@@ -2720,7 +2720,7 @@
           <a:p>
             <a:fld id="{3582084D-7615-4765-BEBB-FC2ADD0D2DA6}" type="datetime1">
               <a:rPr lang="ru-RU" smtClean="0"/>
-              <a:t>28.06.2020</a:t>
+              <a:t>29.06.2020</a:t>
             </a:fld>
             <a:endParaRPr lang="ru-RU" dirty="0"/>
           </a:p>
@@ -2840,7 +2840,7 @@
           <a:p>
             <a:fld id="{6D9003A1-BF28-48BC-9995-A08902293C2F}" type="datetime1">
               <a:rPr lang="ru-RU" smtClean="0"/>
-              <a:t>28.06.2020</a:t>
+              <a:t>29.06.2020</a:t>
             </a:fld>
             <a:endParaRPr lang="ru-RU" dirty="0"/>
           </a:p>
@@ -2938,7 +2938,7 @@
           <a:p>
             <a:fld id="{A53E2774-8C0E-4227-8A4F-13D7074C7957}" type="datetime1">
               <a:rPr lang="ru-RU" smtClean="0"/>
-              <a:t>28.06.2020</a:t>
+              <a:t>29.06.2020</a:t>
             </a:fld>
             <a:endParaRPr lang="ru-RU" dirty="0"/>
           </a:p>
@@ -3216,7 +3216,7 @@
           <a:p>
             <a:fld id="{BF9D009E-B0BA-40F4-9409-BAD477F7AA27}" type="datetime1">
               <a:rPr lang="ru-RU" smtClean="0"/>
-              <a:t>28.06.2020</a:t>
+              <a:t>29.06.2020</a:t>
             </a:fld>
             <a:endParaRPr lang="ru-RU" dirty="0"/>
           </a:p>
@@ -3474,7 +3474,7 @@
           <a:p>
             <a:fld id="{2D6E8B98-2144-49DA-A188-3A9AAE81BE8F}" type="datetime1">
               <a:rPr lang="ru-RU" smtClean="0"/>
-              <a:t>28.06.2020</a:t>
+              <a:t>29.06.2020</a:t>
             </a:fld>
             <a:endParaRPr lang="ru-RU" dirty="0"/>
           </a:p>
@@ -3697,7 +3697,7 @@
           <a:p>
             <a:fld id="{4F0E7E8C-EA9C-421C-A5E1-3533048FB457}" type="datetime1">
               <a:rPr lang="ru-RU" smtClean="0"/>
-              <a:t>28.06.2020</a:t>
+              <a:t>29.06.2020</a:t>
             </a:fld>
             <a:endParaRPr lang="ru-RU" dirty="0"/>
           </a:p>
@@ -12877,7 +12877,73 @@
               <a:rPr sz="1400" dirty="0">
                 <a:latin typeface="Gilroy" pitchFamily="50" charset="-52"/>
               </a:rPr>
-              <a:t>Выбор наиболее  сбалансированной  комбинацию методики  и инструмента,  которые можно  использовать для  поиска и анализа  уязвимостей в коде</a:t>
+              <a:t>Выбор </a:t>
+            </a:r>
+            <a:r>
+              <a:rPr sz="1400" dirty="0" err="1">
+                <a:latin typeface="Gilroy" pitchFamily="50" charset="-52"/>
+              </a:rPr>
+              <a:t>наиболее</a:t>
+            </a:r>
+            <a:r>
+              <a:rPr sz="1400" dirty="0">
+                <a:latin typeface="Gilroy" pitchFamily="50" charset="-52"/>
+              </a:rPr>
+              <a:t>  </a:t>
+            </a:r>
+            <a:r>
+              <a:rPr sz="1400" dirty="0" err="1">
+                <a:latin typeface="Gilroy" pitchFamily="50" charset="-52"/>
+              </a:rPr>
+              <a:t>сбалансированн</a:t>
+            </a:r>
+            <a:r>
+              <a:rPr lang="ru-RU" sz="1400" dirty="0">
+                <a:latin typeface="Gilroy" pitchFamily="50" charset="-52"/>
+              </a:rPr>
+              <a:t>ой</a:t>
+            </a:r>
+            <a:r>
+              <a:rPr sz="1400" dirty="0">
+                <a:latin typeface="Gilroy" pitchFamily="50" charset="-52"/>
+              </a:rPr>
+              <a:t>  </a:t>
+            </a:r>
+            <a:r>
+              <a:rPr sz="1400" dirty="0" err="1">
+                <a:latin typeface="Gilroy" pitchFamily="50" charset="-52"/>
+              </a:rPr>
+              <a:t>комбинаци</a:t>
+            </a:r>
+            <a:r>
+              <a:rPr lang="ru-RU" sz="1400" dirty="0">
+                <a:latin typeface="Gilroy" pitchFamily="50" charset="-52"/>
+              </a:rPr>
+              <a:t>и</a:t>
+            </a:r>
+            <a:r>
+              <a:rPr sz="1400" dirty="0">
+                <a:latin typeface="Gilroy" pitchFamily="50" charset="-52"/>
+              </a:rPr>
+              <a:t> методики  и инструмента,  </a:t>
+            </a:r>
+            <a:r>
+              <a:rPr sz="1400" dirty="0" err="1">
+                <a:latin typeface="Gilroy" pitchFamily="50" charset="-52"/>
+              </a:rPr>
+              <a:t>котор</a:t>
+            </a:r>
+            <a:r>
+              <a:rPr lang="ru-RU" sz="1400" dirty="0" err="1">
+                <a:latin typeface="Gilroy" pitchFamily="50" charset="-52"/>
+              </a:rPr>
+              <a:t>ую</a:t>
+            </a:r>
+            <a:r>
+              <a:rPr sz="1400" dirty="0">
+                <a:latin typeface="Gilroy" pitchFamily="50" charset="-52"/>
+              </a:rPr>
+              <a:t> можно  использовать для  поиска и анализа  уязвимостей в коде</a:t>
             </a:r>
           </a:p>
         </p:txBody>
